--- a/Project.pptx
+++ b/Project.pptx
@@ -121,6 +121,11 @@
       </a:defRPr>
     </a:lvl9pPr>
   </p:defaultTextStyle>
+  <p:extLst>
+    <p:ext uri="{EFAFB233-063F-42B5-8137-9DF3F51BA10A}">
+      <p15:sldGuideLst xmlns:p15="http://schemas.microsoft.com/office/powerpoint/2012/main"/>
+    </p:ext>
+  </p:extLst>
 </p:presentation>
 </file>
 
@@ -456,7 +461,7 @@
             <a:fld id="{B61BEF0D-F0BB-DE4B-95CE-6DB70DBA9567}" type="datetimeFigureOut">
               <a:rPr lang="en-US" dirty="0"/>
               <a:pPr/>
-              <a:t>10/16/2016</a:t>
+              <a:t>10/17/2016</a:t>
             </a:fld>
             <a:endParaRPr lang="en-US" dirty="0"/>
           </a:p>
@@ -777,7 +782,7 @@
             <a:fld id="{B61BEF0D-F0BB-DE4B-95CE-6DB70DBA9567}" type="datetimeFigureOut">
               <a:rPr lang="en-US" dirty="0"/>
               <a:pPr/>
-              <a:t>10/16/2016</a:t>
+              <a:t>10/17/2016</a:t>
             </a:fld>
             <a:endParaRPr lang="en-US" dirty="0"/>
           </a:p>
@@ -1022,7 +1027,7 @@
             <a:fld id="{B61BEF0D-F0BB-DE4B-95CE-6DB70DBA9567}" type="datetimeFigureOut">
               <a:rPr lang="en-US" dirty="0"/>
               <a:pPr/>
-              <a:t>10/16/2016</a:t>
+              <a:t>10/17/2016</a:t>
             </a:fld>
             <a:endParaRPr lang="en-US" dirty="0"/>
           </a:p>
@@ -1358,7 +1363,7 @@
             <a:fld id="{B61BEF0D-F0BB-DE4B-95CE-6DB70DBA9567}" type="datetimeFigureOut">
               <a:rPr lang="en-US" dirty="0"/>
               <a:pPr/>
-              <a:t>10/16/2016</a:t>
+              <a:t>10/17/2016</a:t>
             </a:fld>
             <a:endParaRPr lang="en-US" dirty="0"/>
           </a:p>
@@ -1702,7 +1707,7 @@
             <a:fld id="{B61BEF0D-F0BB-DE4B-95CE-6DB70DBA9567}" type="datetimeFigureOut">
               <a:rPr lang="en-US" dirty="0"/>
               <a:pPr/>
-              <a:t>10/16/2016</a:t>
+              <a:t>10/17/2016</a:t>
             </a:fld>
             <a:endParaRPr lang="en-US" dirty="0"/>
           </a:p>
@@ -2073,7 +2078,7 @@
             <a:fld id="{B61BEF0D-F0BB-DE4B-95CE-6DB70DBA9567}" type="datetimeFigureOut">
               <a:rPr lang="en-US" dirty="0"/>
               <a:pPr/>
-              <a:t>10/16/2016</a:t>
+              <a:t>10/17/2016</a:t>
             </a:fld>
             <a:endParaRPr lang="en-US" dirty="0"/>
           </a:p>
@@ -2540,7 +2545,7 @@
             <a:fld id="{B61BEF0D-F0BB-DE4B-95CE-6DB70DBA9567}" type="datetimeFigureOut">
               <a:rPr lang="en-US" dirty="0"/>
               <a:pPr/>
-              <a:t>10/16/2016</a:t>
+              <a:t>10/17/2016</a:t>
             </a:fld>
             <a:endParaRPr lang="en-US" dirty="0"/>
           </a:p>
@@ -2742,7 +2747,7 @@
             <a:fld id="{B61BEF0D-F0BB-DE4B-95CE-6DB70DBA9567}" type="datetimeFigureOut">
               <a:rPr lang="en-US" dirty="0"/>
               <a:pPr/>
-              <a:t>10/16/2016</a:t>
+              <a:t>10/17/2016</a:t>
             </a:fld>
             <a:endParaRPr lang="en-US" dirty="0"/>
           </a:p>
@@ -2950,7 +2955,7 @@
             <a:fld id="{B61BEF0D-F0BB-DE4B-95CE-6DB70DBA9567}" type="datetimeFigureOut">
               <a:rPr lang="en-US" dirty="0"/>
               <a:pPr/>
-              <a:t>10/16/2016</a:t>
+              <a:t>10/17/2016</a:t>
             </a:fld>
             <a:endParaRPr lang="en-US" dirty="0"/>
           </a:p>
@@ -3178,7 +3183,7 @@
           <a:p>
             <a:fld id="{52647F38-B617-4D2F-AE0A-013F0C4D2C57}" type="datetimeFigureOut">
               <a:rPr lang="en-US" dirty="0"/>
-              <a:t>10/16/2016</a:t>
+              <a:t>10/17/2016</a:t>
             </a:fld>
             <a:endParaRPr lang="en-US" dirty="0"/>
           </a:p>
@@ -3422,7 +3427,7 @@
             <a:fld id="{B61BEF0D-F0BB-DE4B-95CE-6DB70DBA9567}" type="datetimeFigureOut">
               <a:rPr lang="en-US" dirty="0"/>
               <a:pPr/>
-              <a:t>10/16/2016</a:t>
+              <a:t>10/17/2016</a:t>
             </a:fld>
             <a:endParaRPr lang="en-US" dirty="0"/>
           </a:p>
@@ -3716,7 +3721,7 @@
           <a:p>
             <a:fld id="{05BFA754-D5C3-4E66-96A6-867B257F58DC}" type="datetimeFigureOut">
               <a:rPr lang="en-US" dirty="0"/>
-              <a:t>10/16/2016</a:t>
+              <a:t>10/17/2016</a:t>
             </a:fld>
             <a:endParaRPr lang="en-US" dirty="0"/>
           </a:p>
@@ -4106,7 +4111,7 @@
             <a:fld id="{B61BEF0D-F0BB-DE4B-95CE-6DB70DBA9567}" type="datetimeFigureOut">
               <a:rPr lang="en-US" dirty="0"/>
               <a:pPr/>
-              <a:t>10/16/2016</a:t>
+              <a:t>10/17/2016</a:t>
             </a:fld>
             <a:endParaRPr lang="en-US" dirty="0"/>
           </a:p>
@@ -4252,7 +4257,7 @@
             <a:fld id="{B61BEF0D-F0BB-DE4B-95CE-6DB70DBA9567}" type="datetimeFigureOut">
               <a:rPr lang="en-US" dirty="0"/>
               <a:pPr/>
-              <a:t>10/16/2016</a:t>
+              <a:t>10/17/2016</a:t>
             </a:fld>
             <a:endParaRPr lang="en-US" dirty="0"/>
           </a:p>
@@ -4375,7 +4380,7 @@
             <a:fld id="{B61BEF0D-F0BB-DE4B-95CE-6DB70DBA9567}" type="datetimeFigureOut">
               <a:rPr lang="en-US" dirty="0"/>
               <a:pPr/>
-              <a:t>10/16/2016</a:t>
+              <a:t>10/17/2016</a:t>
             </a:fld>
             <a:endParaRPr lang="en-US" dirty="0"/>
           </a:p>
@@ -4627,7 +4632,7 @@
             <a:fld id="{B61BEF0D-F0BB-DE4B-95CE-6DB70DBA9567}" type="datetimeFigureOut">
               <a:rPr lang="en-US" dirty="0"/>
               <a:pPr/>
-              <a:t>10/16/2016</a:t>
+              <a:t>10/17/2016</a:t>
             </a:fld>
             <a:endParaRPr lang="en-US" dirty="0"/>
           </a:p>
@@ -4939,7 +4944,7 @@
             <a:fld id="{B61BEF0D-F0BB-DE4B-95CE-6DB70DBA9567}" type="datetimeFigureOut">
               <a:rPr lang="en-US" dirty="0"/>
               <a:pPr/>
-              <a:t>10/16/2016</a:t>
+              <a:t>10/17/2016</a:t>
             </a:fld>
             <a:endParaRPr lang="en-US" dirty="0"/>
           </a:p>
@@ -5287,7 +5292,7 @@
             <a:fld id="{B61BEF0D-F0BB-DE4B-95CE-6DB70DBA9567}" type="datetimeFigureOut">
               <a:rPr lang="en-US" dirty="0"/>
               <a:pPr/>
-              <a:t>10/16/2016</a:t>
+              <a:t>10/17/2016</a:t>
             </a:fld>
             <a:endParaRPr lang="en-US" dirty="0"/>
           </a:p>
@@ -6423,8 +6428,8 @@
           </a:p>
         </p:txBody>
       </p:sp>
-      <mc:AlternateContent xmlns:mc="http://schemas.openxmlformats.org/markup-compatibility/2006">
-        <mc:Choice xmlns:a14="http://schemas.microsoft.com/office/drawing/2010/main" Requires="a14">
+      <mc:AlternateContent xmlns:mc="http://schemas.openxmlformats.org/markup-compatibility/2006" xmlns:a14="http://schemas.microsoft.com/office/drawing/2010/main">
+        <mc:Choice Requires="a14">
           <p:sp>
             <p:nvSpPr>
               <p:cNvPr id="3" name="Content Placeholder 2"/>
@@ -6570,7 +6575,7 @@
             </p:txBody>
           </p:sp>
         </mc:Choice>
-        <mc:Fallback>
+        <mc:Fallback xmlns="">
           <p:sp>
             <p:nvSpPr>
               <p:cNvPr id="3" name="Content Placeholder 2"/>
@@ -6761,8 +6766,8 @@
           </a:p>
         </p:txBody>
       </p:sp>
-      <mc:AlternateContent xmlns:mc="http://schemas.openxmlformats.org/markup-compatibility/2006">
-        <mc:Choice xmlns:a14="http://schemas.microsoft.com/office/drawing/2010/main" Requires="a14">
+      <mc:AlternateContent xmlns:mc="http://schemas.openxmlformats.org/markup-compatibility/2006" xmlns:a14="http://schemas.microsoft.com/office/drawing/2010/main">
+        <mc:Choice Requires="a14">
           <p:sp>
             <p:nvSpPr>
               <p:cNvPr id="3" name="Content Placeholder 2"/>
@@ -7077,7 +7082,7 @@
             </p:txBody>
           </p:sp>
         </mc:Choice>
-        <mc:Fallback>
+        <mc:Fallback xmlns="">
           <p:sp>
             <p:nvSpPr>
               <p:cNvPr id="3" name="Content Placeholder 2"/>
@@ -7433,11 +7438,7 @@
           <a:p>
             <a:r>
               <a:rPr lang="en-US" dirty="0"/>
-              <a:t>Company XYZ is a food delivery company. </a:t>
-            </a:r>
-            <a:r>
-              <a:rPr lang="en-US" dirty="0"/>
-              <a:t>T</a:t>
+              <a:t>Company XYZ is a food delivery company. T</a:t>
             </a:r>
             <a:r>
               <a:rPr lang="en-US" dirty="0" smtClean="0"/>
@@ -7795,8 +7796,8 @@
           </a:p>
         </p:txBody>
       </p:sp>
-      <mc:AlternateContent xmlns:mc="http://schemas.openxmlformats.org/markup-compatibility/2006">
-        <mc:Choice xmlns:a14="http://schemas.microsoft.com/office/drawing/2010/main" Requires="a14">
+      <mc:AlternateContent xmlns:mc="http://schemas.openxmlformats.org/markup-compatibility/2006" xmlns:a14="http://schemas.microsoft.com/office/drawing/2010/main">
+        <mc:Choice Requires="a14">
           <p:sp>
             <p:nvSpPr>
               <p:cNvPr id="3" name="Content Placeholder 2"/>
@@ -7838,13 +7839,7 @@
                           <a:rPr lang="en-US" b="0" i="1" smtClean="0">
                             <a:latin typeface="Cambria Math" panose="02040503050406030204" pitchFamily="18" charset="0"/>
                           </a:rPr>
-                          <m:t>𝐶𝑙𝑖𝑐𝑘</m:t>
-                        </m:r>
-                        <m:r>
-                          <a:rPr lang="en-US" b="0" i="1" smtClean="0">
-                            <a:latin typeface="Cambria Math" panose="02040503050406030204" pitchFamily="18" charset="0"/>
-                          </a:rPr>
-                          <m:t>𝑠</m:t>
+                          <m:t>𝐶𝑙𝑖𝑐𝑘𝑠</m:t>
                         </m:r>
                       </m:num>
                       <m:den>
@@ -7882,7 +7877,7 @@
             </p:txBody>
           </p:sp>
         </mc:Choice>
-        <mc:Fallback>
+        <mc:Fallback xmlns="">
           <p:sp>
             <p:nvSpPr>
               <p:cNvPr id="3" name="Content Placeholder 2"/>
@@ -7998,7 +7993,7 @@
       </p:pic>
       <p:pic>
         <p:nvPicPr>
-          <p:cNvPr id="5" name="Picture 4"/>
+          <p:cNvPr id="3" name="Picture 2"/>
           <p:cNvPicPr>
             <a:picLocks noChangeAspect="1"/>
           </p:cNvPicPr>
@@ -8012,8 +8007,8 @@
         </p:blipFill>
         <p:spPr>
           <a:xfrm>
-            <a:off x="5560695" y="2433523"/>
-            <a:ext cx="4982337" cy="3492602"/>
+            <a:off x="5738812" y="2520887"/>
+            <a:ext cx="4621340" cy="3057901"/>
           </a:xfrm>
           <a:prstGeom prst="rect">
             <a:avLst/>
